--- a/Report/Presentation.pptx
+++ b/Report/Presentation.pptx
@@ -6,7 +6,10 @@
   </p:sldMasterIdLst>
   <p:sldIdLst>
     <p:sldId id="256" r:id="rId2"/>
-    <p:sldId id="257" r:id="rId3"/>
+    <p:sldId id="260" r:id="rId3"/>
+    <p:sldId id="257" r:id="rId4"/>
+    <p:sldId id="258" r:id="rId5"/>
+    <p:sldId id="259" r:id="rId6"/>
   </p:sldIdLst>
   <p:sldSz cx="12192000" cy="6858000"/>
   <p:notesSz cx="6858000" cy="9144000"/>
@@ -3465,6 +3468,218 @@
           <p:cNvPr id="2" name="Titel 1">
             <a:extLst>
               <a:ext uri="{FF2B5EF4-FFF2-40B4-BE49-F238E27FC236}">
+                <a16:creationId xmlns:a16="http://schemas.microsoft.com/office/drawing/2014/main" id="{EF3B164D-4E29-4F7A-BB65-EABE69CE0103}"/>
+              </a:ext>
+            </a:extLst>
+          </p:cNvPr>
+          <p:cNvSpPr>
+            <a:spLocks noGrp="1"/>
+          </p:cNvSpPr>
+          <p:nvPr>
+            <p:ph type="title"/>
+          </p:nvPr>
+        </p:nvSpPr>
+        <p:spPr/>
+        <p:txBody>
+          <a:bodyPr/>
+          <a:lstStyle/>
+          <a:p>
+            <a:r>
+              <a:rPr lang="de-AT" dirty="0"/>
+              <a:t>Original Paper</a:t>
+            </a:r>
+          </a:p>
+        </p:txBody>
+      </p:sp>
+      <p:sp>
+        <p:nvSpPr>
+          <p:cNvPr id="3" name="Inhaltsplatzhalter 2">
+            <a:extLst>
+              <a:ext uri="{FF2B5EF4-FFF2-40B4-BE49-F238E27FC236}">
+                <a16:creationId xmlns:a16="http://schemas.microsoft.com/office/drawing/2014/main" id="{FE5830D5-0B3A-4C98-A730-D393AD966519}"/>
+              </a:ext>
+            </a:extLst>
+          </p:cNvPr>
+          <p:cNvSpPr>
+            <a:spLocks noGrp="1"/>
+          </p:cNvSpPr>
+          <p:nvPr>
+            <p:ph idx="1"/>
+          </p:nvPr>
+        </p:nvSpPr>
+        <p:spPr/>
+        <p:txBody>
+          <a:bodyPr/>
+          <a:lstStyle/>
+          <a:p>
+            <a:r>
+              <a:rPr lang="de-AT" dirty="0" err="1"/>
+              <a:t>Introducing</a:t>
+            </a:r>
+            <a:r>
+              <a:rPr lang="de-AT" dirty="0"/>
+              <a:t> a </a:t>
+            </a:r>
+            <a:r>
+              <a:rPr lang="de-AT" dirty="0" err="1"/>
+              <a:t>new</a:t>
+            </a:r>
+            <a:r>
+              <a:rPr lang="de-AT" dirty="0"/>
+              <a:t> </a:t>
+            </a:r>
+            <a:r>
+              <a:rPr lang="de-AT" dirty="0" err="1"/>
+              <a:t>algorithm</a:t>
+            </a:r>
+            <a:r>
+              <a:rPr lang="de-AT" dirty="0"/>
+              <a:t> </a:t>
+            </a:r>
+            <a:r>
+              <a:rPr lang="de-AT" dirty="0" err="1"/>
+              <a:t>for</a:t>
+            </a:r>
+            <a:r>
+              <a:rPr lang="de-AT" dirty="0"/>
+              <a:t> POI – </a:t>
+            </a:r>
+            <a:r>
+              <a:rPr lang="de-AT" dirty="0" err="1"/>
+              <a:t>Recommendation</a:t>
+            </a:r>
+            <a:r>
+              <a:rPr lang="de-AT" dirty="0"/>
+              <a:t> </a:t>
+            </a:r>
+            <a:r>
+              <a:rPr lang="de-AT" dirty="0" err="1"/>
+              <a:t>based</a:t>
+            </a:r>
+            <a:r>
+              <a:rPr lang="de-AT" dirty="0"/>
+              <a:t> on </a:t>
+            </a:r>
+            <a:r>
+              <a:rPr lang="de-AT" dirty="0" err="1"/>
+              <a:t>spatial</a:t>
+            </a:r>
+            <a:r>
+              <a:rPr lang="de-AT" dirty="0"/>
+              <a:t> and temporal </a:t>
+            </a:r>
+            <a:r>
+              <a:rPr lang="de-AT" dirty="0" err="1"/>
+              <a:t>data</a:t>
+            </a:r>
+            <a:endParaRPr lang="de-AT" dirty="0"/>
+          </a:p>
+          <a:p>
+            <a:r>
+              <a:rPr lang="de-AT" dirty="0" err="1"/>
+              <a:t>Tested</a:t>
+            </a:r>
+            <a:r>
+              <a:rPr lang="de-AT" dirty="0"/>
+              <a:t> on 2 </a:t>
+            </a:r>
+            <a:r>
+              <a:rPr lang="de-AT" dirty="0" err="1"/>
+              <a:t>datasets</a:t>
+            </a:r>
+            <a:r>
+              <a:rPr lang="de-AT" dirty="0"/>
+              <a:t> (</a:t>
+            </a:r>
+            <a:r>
+              <a:rPr lang="de-AT" dirty="0" err="1"/>
+              <a:t>Gowalla</a:t>
+            </a:r>
+            <a:r>
+              <a:rPr lang="de-AT" dirty="0"/>
+              <a:t> and Foursquare)</a:t>
+            </a:r>
+          </a:p>
+          <a:p>
+            <a:r>
+              <a:rPr lang="de-AT" dirty="0"/>
+              <a:t>High </a:t>
+            </a:r>
+            <a:r>
+              <a:rPr lang="de-AT" dirty="0" err="1"/>
+              <a:t>execution</a:t>
+            </a:r>
+            <a:r>
+              <a:rPr lang="de-AT" dirty="0"/>
+              <a:t> time – </a:t>
+            </a:r>
+            <a:r>
+              <a:rPr lang="de-AT" dirty="0" err="1"/>
+              <a:t>well</a:t>
+            </a:r>
+            <a:r>
+              <a:rPr lang="de-AT" dirty="0"/>
+              <a:t> </a:t>
+            </a:r>
+            <a:r>
+              <a:rPr lang="de-AT" dirty="0" err="1"/>
+              <a:t>reproducible</a:t>
+            </a:r>
+            <a:r>
+              <a:rPr lang="de-AT" dirty="0"/>
+              <a:t>, but </a:t>
+            </a:r>
+            <a:r>
+              <a:rPr lang="de-AT" dirty="0" err="1"/>
+              <a:t>very</a:t>
+            </a:r>
+            <a:r>
+              <a:rPr lang="de-AT" dirty="0"/>
+              <a:t> time </a:t>
+            </a:r>
+            <a:r>
+              <a:rPr lang="de-AT" dirty="0" err="1"/>
+              <a:t>consuming</a:t>
+            </a:r>
+            <a:endParaRPr lang="de-AT" dirty="0"/>
+          </a:p>
+        </p:txBody>
+      </p:sp>
+    </p:spTree>
+    <p:extLst>
+      <p:ext uri="{BB962C8B-B14F-4D97-AF65-F5344CB8AC3E}">
+        <p14:creationId xmlns:p14="http://schemas.microsoft.com/office/powerpoint/2010/main" val="2448484439"/>
+      </p:ext>
+    </p:extLst>
+  </p:cSld>
+  <p:clrMapOvr>
+    <a:masterClrMapping/>
+  </p:clrMapOvr>
+</p:sld>
+</file>
+
+<file path=ppt/slides/slide3.xml><?xml version="1.0" encoding="utf-8"?>
+<p:sld xmlns:a="http://schemas.openxmlformats.org/drawingml/2006/main" xmlns:r="http://schemas.openxmlformats.org/officeDocument/2006/relationships" xmlns:p="http://schemas.openxmlformats.org/presentationml/2006/main">
+  <p:cSld>
+    <p:spTree>
+      <p:nvGrpSpPr>
+        <p:cNvPr id="1" name=""/>
+        <p:cNvGrpSpPr/>
+        <p:nvPr/>
+      </p:nvGrpSpPr>
+      <p:grpSpPr>
+        <a:xfrm>
+          <a:off x="0" y="0"/>
+          <a:ext cx="0" cy="0"/>
+          <a:chOff x="0" y="0"/>
+          <a:chExt cx="0" cy="0"/>
+        </a:xfrm>
+      </p:grpSpPr>
+      <p:sp>
+        <p:nvSpPr>
+          <p:cNvPr id="2" name="Titel 1">
+            <a:extLst>
+              <a:ext uri="{FF2B5EF4-FFF2-40B4-BE49-F238E27FC236}">
                 <a16:creationId xmlns:a16="http://schemas.microsoft.com/office/drawing/2014/main" id="{97E07D48-3FDC-4E1B-B307-64F3F31978D3}"/>
               </a:ext>
             </a:extLst>
@@ -3571,6 +3786,231 @@
     <p:extLst>
       <p:ext uri="{BB962C8B-B14F-4D97-AF65-F5344CB8AC3E}">
         <p14:creationId xmlns:p14="http://schemas.microsoft.com/office/powerpoint/2010/main" val="323061786"/>
+      </p:ext>
+    </p:extLst>
+  </p:cSld>
+  <p:clrMapOvr>
+    <a:masterClrMapping/>
+  </p:clrMapOvr>
+</p:sld>
+</file>
+
+<file path=ppt/slides/slide4.xml><?xml version="1.0" encoding="utf-8"?>
+<p:sld xmlns:a="http://schemas.openxmlformats.org/drawingml/2006/main" xmlns:r="http://schemas.openxmlformats.org/officeDocument/2006/relationships" xmlns:p="http://schemas.openxmlformats.org/presentationml/2006/main">
+  <p:cSld>
+    <p:spTree>
+      <p:nvGrpSpPr>
+        <p:cNvPr id="1" name=""/>
+        <p:cNvGrpSpPr/>
+        <p:nvPr/>
+      </p:nvGrpSpPr>
+      <p:grpSpPr>
+        <a:xfrm>
+          <a:off x="0" y="0"/>
+          <a:ext cx="0" cy="0"/>
+          <a:chOff x="0" y="0"/>
+          <a:chExt cx="0" cy="0"/>
+        </a:xfrm>
+      </p:grpSpPr>
+      <p:sp>
+        <p:nvSpPr>
+          <p:cNvPr id="2" name="Titel 1">
+            <a:extLst>
+              <a:ext uri="{FF2B5EF4-FFF2-40B4-BE49-F238E27FC236}">
+                <a16:creationId xmlns:a16="http://schemas.microsoft.com/office/drawing/2014/main" id="{11E94E20-3FC8-4EB7-A06E-BCA689256905}"/>
+              </a:ext>
+            </a:extLst>
+          </p:cNvPr>
+          <p:cNvSpPr>
+            <a:spLocks noGrp="1"/>
+          </p:cNvSpPr>
+          <p:nvPr>
+            <p:ph type="title"/>
+          </p:nvPr>
+        </p:nvSpPr>
+        <p:spPr/>
+        <p:txBody>
+          <a:bodyPr/>
+          <a:lstStyle/>
+          <a:p>
+            <a:r>
+              <a:rPr lang="de-AT" dirty="0"/>
+              <a:t>Experiment 2</a:t>
+            </a:r>
+          </a:p>
+        </p:txBody>
+      </p:sp>
+      <p:sp>
+        <p:nvSpPr>
+          <p:cNvPr id="3" name="Inhaltsplatzhalter 2">
+            <a:extLst>
+              <a:ext uri="{FF2B5EF4-FFF2-40B4-BE49-F238E27FC236}">
+                <a16:creationId xmlns:a16="http://schemas.microsoft.com/office/drawing/2014/main" id="{E46489CF-5A18-4059-9001-6E4E0581FA1B}"/>
+              </a:ext>
+            </a:extLst>
+          </p:cNvPr>
+          <p:cNvSpPr>
+            <a:spLocks noGrp="1"/>
+          </p:cNvSpPr>
+          <p:nvPr>
+            <p:ph idx="1"/>
+          </p:nvPr>
+        </p:nvSpPr>
+        <p:spPr/>
+        <p:txBody>
+          <a:bodyPr/>
+          <a:lstStyle/>
+          <a:p>
+            <a:endParaRPr lang="de-AT"/>
+          </a:p>
+        </p:txBody>
+      </p:sp>
+      <p:pic>
+        <p:nvPicPr>
+          <p:cNvPr id="5" name="Grafik 4">
+            <a:extLst>
+              <a:ext uri="{FF2B5EF4-FFF2-40B4-BE49-F238E27FC236}">
+                <a16:creationId xmlns:a16="http://schemas.microsoft.com/office/drawing/2014/main" id="{F7EE50CF-6733-4E2E-AD0F-816313A99113}"/>
+              </a:ext>
+            </a:extLst>
+          </p:cNvPr>
+          <p:cNvPicPr>
+            <a:picLocks noChangeAspect="1"/>
+          </p:cNvPicPr>
+          <p:nvPr/>
+        </p:nvPicPr>
+        <p:blipFill>
+          <a:blip r:embed="rId2"/>
+          <a:stretch>
+            <a:fillRect/>
+          </a:stretch>
+        </p:blipFill>
+        <p:spPr>
+          <a:xfrm>
+            <a:off x="2231136" y="2638044"/>
+            <a:ext cx="7729728" cy="2985938"/>
+          </a:xfrm>
+          <a:prstGeom prst="rect">
+            <a:avLst/>
+          </a:prstGeom>
+        </p:spPr>
+      </p:pic>
+    </p:spTree>
+    <p:extLst>
+      <p:ext uri="{BB962C8B-B14F-4D97-AF65-F5344CB8AC3E}">
+        <p14:creationId xmlns:p14="http://schemas.microsoft.com/office/powerpoint/2010/main" val="3841118764"/>
+      </p:ext>
+    </p:extLst>
+  </p:cSld>
+  <p:clrMapOvr>
+    <a:masterClrMapping/>
+  </p:clrMapOvr>
+</p:sld>
+</file>
+
+<file path=ppt/slides/slide5.xml><?xml version="1.0" encoding="utf-8"?>
+<p:sld xmlns:a="http://schemas.openxmlformats.org/drawingml/2006/main" xmlns:r="http://schemas.openxmlformats.org/officeDocument/2006/relationships" xmlns:p="http://schemas.openxmlformats.org/presentationml/2006/main">
+  <p:cSld>
+    <p:spTree>
+      <p:nvGrpSpPr>
+        <p:cNvPr id="1" name=""/>
+        <p:cNvGrpSpPr/>
+        <p:nvPr/>
+      </p:nvGrpSpPr>
+      <p:grpSpPr>
+        <a:xfrm>
+          <a:off x="0" y="0"/>
+          <a:ext cx="0" cy="0"/>
+          <a:chOff x="0" y="0"/>
+          <a:chExt cx="0" cy="0"/>
+        </a:xfrm>
+      </p:grpSpPr>
+      <p:sp>
+        <p:nvSpPr>
+          <p:cNvPr id="2" name="Titel 1">
+            <a:extLst>
+              <a:ext uri="{FF2B5EF4-FFF2-40B4-BE49-F238E27FC236}">
+                <a16:creationId xmlns:a16="http://schemas.microsoft.com/office/drawing/2014/main" id="{090AE926-F4B6-464A-9618-05A1C2AC4F03}"/>
+              </a:ext>
+            </a:extLst>
+          </p:cNvPr>
+          <p:cNvSpPr>
+            <a:spLocks noGrp="1"/>
+          </p:cNvSpPr>
+          <p:nvPr>
+            <p:ph type="title"/>
+          </p:nvPr>
+        </p:nvSpPr>
+        <p:spPr/>
+        <p:txBody>
+          <a:bodyPr/>
+          <a:lstStyle/>
+          <a:p>
+            <a:r>
+              <a:rPr lang="de-AT" dirty="0"/>
+              <a:t>Experiment 3</a:t>
+            </a:r>
+          </a:p>
+        </p:txBody>
+      </p:sp>
+      <p:sp>
+        <p:nvSpPr>
+          <p:cNvPr id="3" name="Inhaltsplatzhalter 2">
+            <a:extLst>
+              <a:ext uri="{FF2B5EF4-FFF2-40B4-BE49-F238E27FC236}">
+                <a16:creationId xmlns:a16="http://schemas.microsoft.com/office/drawing/2014/main" id="{B81E92CA-6908-4F08-9903-E98E9E5C977F}"/>
+              </a:ext>
+            </a:extLst>
+          </p:cNvPr>
+          <p:cNvSpPr>
+            <a:spLocks noGrp="1"/>
+          </p:cNvSpPr>
+          <p:nvPr>
+            <p:ph idx="1"/>
+          </p:nvPr>
+        </p:nvSpPr>
+        <p:spPr/>
+        <p:txBody>
+          <a:bodyPr/>
+          <a:lstStyle/>
+          <a:p>
+            <a:endParaRPr lang="de-AT"/>
+          </a:p>
+        </p:txBody>
+      </p:sp>
+      <p:pic>
+        <p:nvPicPr>
+          <p:cNvPr id="5" name="Grafik 4">
+            <a:extLst>
+              <a:ext uri="{FF2B5EF4-FFF2-40B4-BE49-F238E27FC236}">
+                <a16:creationId xmlns:a16="http://schemas.microsoft.com/office/drawing/2014/main" id="{893CDE45-2F7E-47C6-8CEE-4141CFCD0097}"/>
+              </a:ext>
+            </a:extLst>
+          </p:cNvPr>
+          <p:cNvPicPr>
+            <a:picLocks noChangeAspect="1"/>
+          </p:cNvPicPr>
+          <p:nvPr/>
+        </p:nvPicPr>
+        <p:blipFill rotWithShape="1">
+          <a:blip r:embed="rId2"/>
+          <a:srcRect l="3019" t="2858" r="1856" b="2176"/>
+          <a:stretch/>
+        </p:blipFill>
+        <p:spPr>
+          <a:xfrm>
+            <a:off x="2993772" y="2388636"/>
+            <a:ext cx="6204456" cy="4292082"/>
+          </a:xfrm>
+          <a:prstGeom prst="rect">
+            <a:avLst/>
+          </a:prstGeom>
+        </p:spPr>
+      </p:pic>
+    </p:spTree>
+    <p:extLst>
+      <p:ext uri="{BB962C8B-B14F-4D97-AF65-F5344CB8AC3E}">
+        <p14:creationId xmlns:p14="http://schemas.microsoft.com/office/powerpoint/2010/main" val="1130340203"/>
       </p:ext>
     </p:extLst>
   </p:cSld>

--- a/Report/Presentation.pptx
+++ b/Report/Presentation.pptx
@@ -3828,7 +3828,12 @@
             <p:ph type="title"/>
           </p:nvPr>
         </p:nvSpPr>
-        <p:spPr/>
+        <p:spPr>
+          <a:xfrm>
+            <a:off x="2231136" y="946030"/>
+            <a:ext cx="7729728" cy="1188720"/>
+          </a:xfrm>
+        </p:spPr>
         <p:txBody>
           <a:bodyPr/>
           <a:lstStyle/>
@@ -3837,31 +3842,6 @@
               <a:rPr lang="de-AT" dirty="0"/>
               <a:t>Experiment 2</a:t>
             </a:r>
-          </a:p>
-        </p:txBody>
-      </p:sp>
-      <p:sp>
-        <p:nvSpPr>
-          <p:cNvPr id="3" name="Inhaltsplatzhalter 2">
-            <a:extLst>
-              <a:ext uri="{FF2B5EF4-FFF2-40B4-BE49-F238E27FC236}">
-                <a16:creationId xmlns:a16="http://schemas.microsoft.com/office/drawing/2014/main" id="{E46489CF-5A18-4059-9001-6E4E0581FA1B}"/>
-              </a:ext>
-            </a:extLst>
-          </p:cNvPr>
-          <p:cNvSpPr>
-            <a:spLocks noGrp="1"/>
-          </p:cNvSpPr>
-          <p:nvPr>
-            <p:ph idx="1"/>
-          </p:nvPr>
-        </p:nvSpPr>
-        <p:spPr/>
-        <p:txBody>
-          <a:bodyPr/>
-          <a:lstStyle/>
-          <a:p>
-            <a:endParaRPr lang="de-AT"/>
           </a:p>
         </p:txBody>
       </p:sp>
@@ -3887,8 +3867,38 @@
         </p:blipFill>
         <p:spPr>
           <a:xfrm>
-            <a:off x="2231136" y="2638044"/>
+            <a:off x="2231136" y="2153412"/>
             <a:ext cx="7729728" cy="2985938"/>
+          </a:xfrm>
+          <a:prstGeom prst="rect">
+            <a:avLst/>
+          </a:prstGeom>
+        </p:spPr>
+      </p:pic>
+      <p:pic>
+        <p:nvPicPr>
+          <p:cNvPr id="16" name="Grafik 15">
+            <a:extLst>
+              <a:ext uri="{FF2B5EF4-FFF2-40B4-BE49-F238E27FC236}">
+                <a16:creationId xmlns:a16="http://schemas.microsoft.com/office/drawing/2014/main" id="{AD827CD3-38B1-4EE7-B6BD-F41A71FEA137}"/>
+              </a:ext>
+            </a:extLst>
+          </p:cNvPr>
+          <p:cNvPicPr>
+            <a:picLocks noChangeAspect="1"/>
+          </p:cNvPicPr>
+          <p:nvPr/>
+        </p:nvPicPr>
+        <p:blipFill>
+          <a:blip r:embed="rId3"/>
+          <a:stretch>
+            <a:fillRect/>
+          </a:stretch>
+        </p:blipFill>
+        <p:spPr>
+          <a:xfrm>
+            <a:off x="2379306" y="5188377"/>
+            <a:ext cx="7460260" cy="1159980"/>
           </a:xfrm>
           <a:prstGeom prst="rect">
             <a:avLst/>
